--- a/Презентация Microsoft PowerPoint.pptx
+++ b/Презентация Microsoft PowerPoint.pptx
@@ -117,6 +117,11 @@
       </a:defRPr>
     </a:lvl9pPr>
   </p:defaultTextStyle>
+  <p:extLst>
+    <p:ext uri="{EFAFB233-063F-42B5-8137-9DF3F51BA10A}">
+      <p15:sldGuideLst xmlns:p15="http://schemas.microsoft.com/office/powerpoint/2012/main"/>
+    </p:ext>
+  </p:extLst>
 </p:presentation>
 </file>
 
@@ -642,7 +647,7 @@
           <a:p>
             <a:fld id="{E98F7AF6-6BAF-42BE-981F-B95E6DD39716}" type="datetimeFigureOut">
               <a:rPr lang="ru-RU" smtClean="0"/>
-              <a:t>23.11.2022</a:t>
+              <a:t>28.11.2022</a:t>
             </a:fld>
             <a:endParaRPr lang="ru-RU"/>
           </a:p>
@@ -917,7 +922,7 @@
           <a:p>
             <a:fld id="{E98F7AF6-6BAF-42BE-981F-B95E6DD39716}" type="datetimeFigureOut">
               <a:rPr lang="ru-RU" smtClean="0"/>
-              <a:t>23.11.2022</a:t>
+              <a:t>28.11.2022</a:t>
             </a:fld>
             <a:endParaRPr lang="ru-RU"/>
           </a:p>
@@ -1111,7 +1116,7 @@
           <a:p>
             <a:fld id="{E98F7AF6-6BAF-42BE-981F-B95E6DD39716}" type="datetimeFigureOut">
               <a:rPr lang="ru-RU" smtClean="0"/>
-              <a:t>23.11.2022</a:t>
+              <a:t>28.11.2022</a:t>
             </a:fld>
             <a:endParaRPr lang="ru-RU"/>
           </a:p>
@@ -1384,7 +1389,7 @@
           <a:p>
             <a:fld id="{E98F7AF6-6BAF-42BE-981F-B95E6DD39716}" type="datetimeFigureOut">
               <a:rPr lang="ru-RU" smtClean="0"/>
-              <a:t>23.11.2022</a:t>
+              <a:t>28.11.2022</a:t>
             </a:fld>
             <a:endParaRPr lang="ru-RU"/>
           </a:p>
@@ -1725,7 +1730,7 @@
           <a:p>
             <a:fld id="{E98F7AF6-6BAF-42BE-981F-B95E6DD39716}" type="datetimeFigureOut">
               <a:rPr lang="ru-RU" smtClean="0"/>
-              <a:t>23.11.2022</a:t>
+              <a:t>28.11.2022</a:t>
             </a:fld>
             <a:endParaRPr lang="ru-RU"/>
           </a:p>
@@ -2348,7 +2353,7 @@
           <a:p>
             <a:fld id="{E98F7AF6-6BAF-42BE-981F-B95E6DD39716}" type="datetimeFigureOut">
               <a:rPr lang="ru-RU" smtClean="0"/>
-              <a:t>23.11.2022</a:t>
+              <a:t>28.11.2022</a:t>
             </a:fld>
             <a:endParaRPr lang="ru-RU"/>
           </a:p>
@@ -3208,7 +3213,7 @@
           <a:p>
             <a:fld id="{E98F7AF6-6BAF-42BE-981F-B95E6DD39716}" type="datetimeFigureOut">
               <a:rPr lang="ru-RU" smtClean="0"/>
-              <a:t>23.11.2022</a:t>
+              <a:t>28.11.2022</a:t>
             </a:fld>
             <a:endParaRPr lang="ru-RU"/>
           </a:p>
@@ -3378,7 +3383,7 @@
           <a:p>
             <a:fld id="{E98F7AF6-6BAF-42BE-981F-B95E6DD39716}" type="datetimeFigureOut">
               <a:rPr lang="ru-RU" smtClean="0"/>
-              <a:t>23.11.2022</a:t>
+              <a:t>28.11.2022</a:t>
             </a:fld>
             <a:endParaRPr lang="ru-RU"/>
           </a:p>
@@ -3558,7 +3563,7 @@
           <a:p>
             <a:fld id="{E98F7AF6-6BAF-42BE-981F-B95E6DD39716}" type="datetimeFigureOut">
               <a:rPr lang="ru-RU" smtClean="0"/>
-              <a:t>23.11.2022</a:t>
+              <a:t>28.11.2022</a:t>
             </a:fld>
             <a:endParaRPr lang="ru-RU"/>
           </a:p>
@@ -3728,7 +3733,7 @@
           <a:p>
             <a:fld id="{E98F7AF6-6BAF-42BE-981F-B95E6DD39716}" type="datetimeFigureOut">
               <a:rPr lang="ru-RU" smtClean="0"/>
-              <a:t>23.11.2022</a:t>
+              <a:t>28.11.2022</a:t>
             </a:fld>
             <a:endParaRPr lang="ru-RU"/>
           </a:p>
@@ -3975,7 +3980,7 @@
           <a:p>
             <a:fld id="{E98F7AF6-6BAF-42BE-981F-B95E6DD39716}" type="datetimeFigureOut">
               <a:rPr lang="ru-RU" smtClean="0"/>
-              <a:t>23.11.2022</a:t>
+              <a:t>28.11.2022</a:t>
             </a:fld>
             <a:endParaRPr lang="ru-RU"/>
           </a:p>
@@ -4267,7 +4272,7 @@
           <a:p>
             <a:fld id="{E98F7AF6-6BAF-42BE-981F-B95E6DD39716}" type="datetimeFigureOut">
               <a:rPr lang="ru-RU" smtClean="0"/>
-              <a:t>23.11.2022</a:t>
+              <a:t>28.11.2022</a:t>
             </a:fld>
             <a:endParaRPr lang="ru-RU"/>
           </a:p>
@@ -4711,7 +4716,7 @@
           <a:p>
             <a:fld id="{E98F7AF6-6BAF-42BE-981F-B95E6DD39716}" type="datetimeFigureOut">
               <a:rPr lang="ru-RU" smtClean="0"/>
-              <a:t>23.11.2022</a:t>
+              <a:t>28.11.2022</a:t>
             </a:fld>
             <a:endParaRPr lang="ru-RU"/>
           </a:p>
@@ -4829,7 +4834,7 @@
           <a:p>
             <a:fld id="{E98F7AF6-6BAF-42BE-981F-B95E6DD39716}" type="datetimeFigureOut">
               <a:rPr lang="ru-RU" smtClean="0"/>
-              <a:t>23.11.2022</a:t>
+              <a:t>28.11.2022</a:t>
             </a:fld>
             <a:endParaRPr lang="ru-RU"/>
           </a:p>
@@ -4924,7 +4929,7 @@
           <a:p>
             <a:fld id="{E98F7AF6-6BAF-42BE-981F-B95E6DD39716}" type="datetimeFigureOut">
               <a:rPr lang="ru-RU" smtClean="0"/>
-              <a:t>23.11.2022</a:t>
+              <a:t>28.11.2022</a:t>
             </a:fld>
             <a:endParaRPr lang="ru-RU"/>
           </a:p>
@@ -5203,7 +5208,7 @@
           <a:p>
             <a:fld id="{E98F7AF6-6BAF-42BE-981F-B95E6DD39716}" type="datetimeFigureOut">
               <a:rPr lang="ru-RU" smtClean="0"/>
-              <a:t>23.11.2022</a:t>
+              <a:t>28.11.2022</a:t>
             </a:fld>
             <a:endParaRPr lang="ru-RU"/>
           </a:p>
@@ -5478,7 +5483,7 @@
           <a:p>
             <a:fld id="{E98F7AF6-6BAF-42BE-981F-B95E6DD39716}" type="datetimeFigureOut">
               <a:rPr lang="ru-RU" smtClean="0"/>
-              <a:t>23.11.2022</a:t>
+              <a:t>28.11.2022</a:t>
             </a:fld>
             <a:endParaRPr lang="ru-RU"/>
           </a:p>
@@ -5907,7 +5912,7 @@
           <a:p>
             <a:fld id="{E98F7AF6-6BAF-42BE-981F-B95E6DD39716}" type="datetimeFigureOut">
               <a:rPr lang="ru-RU" smtClean="0"/>
-              <a:t>23.11.2022</a:t>
+              <a:t>28.11.2022</a:t>
             </a:fld>
             <a:endParaRPr lang="ru-RU"/>
           </a:p>
@@ -6550,7 +6555,7 @@
         </p:spPr>
         <p:txBody>
           <a:bodyPr>
-            <a:normAutofit fontScale="92500"/>
+            <a:normAutofit fontScale="85000" lnSpcReduction="10000"/>
           </a:bodyPr>
           <a:lstStyle/>
           <a:p>
@@ -6561,7 +6566,6 @@
                   <a:srgbClr val="E6E6E6"/>
                 </a:solidFill>
                 <a:effectLst/>
-                <a:latin typeface="Calibri" panose="020F0502020204030204" pitchFamily="34" charset="0"/>
                 <a:cs typeface="Calibri" panose="020F0502020204030204" pitchFamily="34" charset="0"/>
               </a:rPr>
               <a:t>Неявное связывание происходит в момент, когда из кода приложения вызывается экспортированная функция библиотеки DLL. При компиляции или сборке исходного кода вызывающего исполняемого файла для вызова функции DLL в коде объекта создается ссылка на внешнюю функцию. Для разрешения этой внешней ссылки приложение должно связаться с библиотекой импорта (LIB-файл), которая предоставляется разработчиком библиотеки DLL.</a:t>
@@ -6575,7 +6579,6 @@
                   <a:srgbClr val="E6E6E6"/>
                 </a:solidFill>
                 <a:effectLst/>
-                <a:latin typeface="Calibri" panose="020F0502020204030204" pitchFamily="34" charset="0"/>
                 <a:cs typeface="Calibri" panose="020F0502020204030204" pitchFamily="34" charset="0"/>
               </a:rPr>
               <a:t>Библиотека импорта содержит только код для загрузки библиотеки DLL и реализации вызовов ее функций. При поиске внешней функции в библиотеке импорта компоновщик определяет, что код этой функции находится в библиотеке DLL. Для разрешения внешних ссылок на библиотеки DLL компоновщик просто добавляет в исполняемый файл сведения, на основании которых система определяет, где следует искать код DLL при запуске процесса.</a:t>
@@ -6589,7 +6592,6 @@
                   <a:srgbClr val="E6E6E6"/>
                 </a:solidFill>
                 <a:effectLst/>
-                <a:latin typeface="Calibri" panose="020F0502020204030204" pitchFamily="34" charset="0"/>
                 <a:cs typeface="Calibri" panose="020F0502020204030204" pitchFamily="34" charset="0"/>
               </a:rPr>
               <a:t>При запуске программы, которая содержит динамически связываемые ссылки, система использует сведения из исполняемого файла для поиска необходимых библиотек DLL. Если найти библиотеку DLL не удается, система завершает процесс и отображает диалоговое окно с сообщением об ошибке. В противном случае система сопоставляет модули DLL в адресном пространстве процесса.</a:t>
@@ -6597,7 +6599,6 @@
           </a:p>
           <a:p>
             <a:endParaRPr lang="ru-RU" dirty="0">
-              <a:latin typeface="Calibri" panose="020F0502020204030204" pitchFamily="34" charset="0"/>
               <a:cs typeface="Calibri" panose="020F0502020204030204" pitchFamily="34" charset="0"/>
             </a:endParaRPr>
           </a:p>
@@ -6690,28 +6691,24 @@
           <a:lstStyle/>
           <a:p>
             <a:endParaRPr lang="ru-RU" dirty="0">
-              <a:latin typeface="Calibri" panose="020F0502020204030204" pitchFamily="34" charset="0"/>
               <a:cs typeface="Calibri" panose="020F0502020204030204" pitchFamily="34" charset="0"/>
             </a:endParaRPr>
           </a:p>
           <a:p>
             <a:r>
               <a:rPr lang="ru-RU" dirty="0">
-                <a:latin typeface="Calibri" panose="020F0502020204030204" pitchFamily="34" charset="0"/>
                 <a:cs typeface="Calibri" panose="020F0502020204030204" pitchFamily="34" charset="0"/>
               </a:rPr>
               <a:t>Если любая из библиотек DLL содержит функцию точки входа для инициализации и завершения кода, например </a:t>
             </a:r>
             <a:r>
               <a:rPr lang="ru-RU" dirty="0" err="1">
-                <a:latin typeface="Calibri" panose="020F0502020204030204" pitchFamily="34" charset="0"/>
                 <a:cs typeface="Calibri" panose="020F0502020204030204" pitchFamily="34" charset="0"/>
               </a:rPr>
               <a:t>DllMain</a:t>
             </a:r>
             <a:r>
               <a:rPr lang="ru-RU" dirty="0">
-                <a:latin typeface="Calibri" panose="020F0502020204030204" pitchFamily="34" charset="0"/>
                 <a:cs typeface="Calibri" panose="020F0502020204030204" pitchFamily="34" charset="0"/>
               </a:rPr>
               <a:t>, операционная система вызывает эту функцию. С помощью одного из параметров, передаваемого в функцию точки входа, задается код, который указывает на связывание библиотеки DLL с процессом. Если функция точки входа не возвращает значение TRUE, система завершает процесс и возвращает ошибку.</a:t>
@@ -6720,7 +6717,6 @@
           <a:p>
             <a:r>
               <a:rPr lang="ru-RU" dirty="0">
-                <a:latin typeface="Calibri" panose="020F0502020204030204" pitchFamily="34" charset="0"/>
                 <a:cs typeface="Calibri" panose="020F0502020204030204" pitchFamily="34" charset="0"/>
               </a:rPr>
               <a:t>Наконец, система изменяет код исполняемого файла процесса и предоставляет функциям DLL начальные адреса.</a:t>
@@ -6729,7 +6725,6 @@
           <a:p>
             <a:r>
               <a:rPr lang="ru-RU" dirty="0">
-                <a:latin typeface="Calibri" panose="020F0502020204030204" pitchFamily="34" charset="0"/>
                 <a:cs typeface="Calibri" panose="020F0502020204030204" pitchFamily="34" charset="0"/>
               </a:rPr>
               <a:t>Как и в случае с остальном кодом программы, загрузчик сопоставляет код DLL в адресном пространстве процесса при запуске процесса. Операционная система загружает его в память только при необходимости. В связи с этим атрибуты кода PRELOAD и LOADONCALL, которые использовались DEF-файлами для управления загрузкой в предыдущих версиях Windows, более не имеют смысла. </a:t>
@@ -6737,7 +6732,6 @@
           </a:p>
           <a:p>
             <a:endParaRPr lang="ru-RU" dirty="0">
-              <a:latin typeface="Calibri" panose="020F0502020204030204" pitchFamily="34" charset="0"/>
               <a:cs typeface="Calibri" panose="020F0502020204030204" pitchFamily="34" charset="0"/>
             </a:endParaRPr>
           </a:p>
@@ -6820,7 +6814,7 @@
         <p:spPr>
           <a:xfrm>
             <a:off x="1103312" y="1175658"/>
-            <a:ext cx="10056100" cy="5682342"/>
+            <a:ext cx="10056100" cy="5495730"/>
           </a:xfrm>
         </p:spPr>
         <p:txBody>
@@ -6830,9 +6824,8 @@
           <a:lstStyle/>
           <a:p>
             <a:r>
-              <a:rPr lang="ru-RU" sz="2400" dirty="0">
+              <a:rPr lang="ru-RU" dirty="0">
                 <a:effectLst/>
-                <a:latin typeface="Calibri" panose="020F0502020204030204" pitchFamily="34" charset="0"/>
                 <a:ea typeface="Calibri" panose="020F0502020204030204" pitchFamily="34" charset="0"/>
                 <a:cs typeface="Calibri" panose="020F0502020204030204" pitchFamily="34" charset="0"/>
               </a:rPr>
@@ -6841,8 +6834,7 @@
           </a:p>
           <a:p>
             <a:r>
-              <a:rPr lang="ru-RU" sz="2400" dirty="0">
-                <a:latin typeface="Calibri" panose="020F0502020204030204" pitchFamily="34" charset="0"/>
+              <a:rPr lang="ru-RU" dirty="0">
                 <a:cs typeface="Calibri" panose="020F0502020204030204" pitchFamily="34" charset="0"/>
               </a:rPr>
               <a:t>Имя библиотеки DLL, которую необходимо загружать, становится известно приложению только во время выполнения. Например, приложение может получать имя библиотеки DLL и экспортированные функции из файла конфигурации во время запуска.</a:t>
@@ -6850,16 +6842,14 @@
           </a:p>
           <a:p>
             <a:r>
-              <a:rPr lang="ru-RU" sz="2400" dirty="0">
-                <a:latin typeface="Calibri" panose="020F0502020204030204" pitchFamily="34" charset="0"/>
+              <a:rPr lang="ru-RU" dirty="0">
                 <a:cs typeface="Calibri" panose="020F0502020204030204" pitchFamily="34" charset="0"/>
               </a:rPr>
               <a:t>Если при запуске не удается найти нужную библиотеку DLL, процесс, в котором используется неявное связывание, завершается операционной системой. Процесс с явным связыванием в таких ситуациях не завершается и может попытаться восстановиться после ошибки. Например, процесс может уведомить пользователя об ошибке и запросить указать другой путь к библиотеке DLL.</a:t>
             </a:r>
           </a:p>
           <a:p>
-            <a:endParaRPr lang="ru-RU" sz="2400" dirty="0">
-              <a:latin typeface="Calibri" panose="020F0502020204030204" pitchFamily="34" charset="0"/>
+            <a:endParaRPr lang="ru-RU" dirty="0">
               <a:cs typeface="Calibri" panose="020F0502020204030204" pitchFamily="34" charset="0"/>
             </a:endParaRPr>
           </a:p>
@@ -6941,7 +6931,7 @@
         </p:nvSpPr>
         <p:spPr>
           <a:xfrm>
-            <a:off x="382555" y="1853248"/>
+            <a:off x="373224" y="1368056"/>
             <a:ext cx="11084767" cy="4665123"/>
           </a:xfrm>
         </p:spPr>
@@ -6953,21 +6943,18 @@
           <a:p>
             <a:r>
               <a:rPr lang="ru-RU" dirty="0">
-                <a:latin typeface="Calibri" panose="020F0502020204030204" pitchFamily="34" charset="0"/>
                 <a:cs typeface="Calibri" panose="020F0502020204030204" pitchFamily="34" charset="0"/>
               </a:rPr>
               <a:t>Процесс с неявным связыванием также завершается, если в любой из связанных библиотек DLL функция </a:t>
             </a:r>
             <a:r>
               <a:rPr lang="ru-RU" dirty="0" err="1">
-                <a:latin typeface="Calibri" panose="020F0502020204030204" pitchFamily="34" charset="0"/>
                 <a:cs typeface="Calibri" panose="020F0502020204030204" pitchFamily="34" charset="0"/>
               </a:rPr>
               <a:t>DllMain</a:t>
             </a:r>
             <a:r>
               <a:rPr lang="ru-RU" dirty="0">
-                <a:latin typeface="Calibri" panose="020F0502020204030204" pitchFamily="34" charset="0"/>
                 <a:cs typeface="Calibri" panose="020F0502020204030204" pitchFamily="34" charset="0"/>
               </a:rPr>
               <a:t> завершается сбоем. Процесс с явным связыванием в таких ситуациях не завершается.</a:t>
@@ -6976,7 +6963,6 @@
           <a:p>
             <a:r>
               <a:rPr lang="ru-RU" dirty="0">
-                <a:latin typeface="Calibri" panose="020F0502020204030204" pitchFamily="34" charset="0"/>
                 <a:cs typeface="Calibri" panose="020F0502020204030204" pitchFamily="34" charset="0"/>
               </a:rPr>
               <a:t>Приложение, в котором применяется неявное связывание с множеством библиотек DLL, может долго запускаться, поскольку операционная система Windows при загрузке приложения загружает все библиотеки DLL. Чтобы ускорить процесс запуска приложения, можно выполнять неявное связывание только с теми библиотеками DLL, которые необходимы непосредственно после загрузки. Другие библиотеки DLL могут загружаться позднее по мере необходимости посредством явного связывания.</a:t>
@@ -6985,21 +6971,18 @@
           <a:p>
             <a:r>
               <a:rPr lang="ru-RU" dirty="0">
-                <a:latin typeface="Calibri" panose="020F0502020204030204" pitchFamily="34" charset="0"/>
                 <a:cs typeface="Calibri" panose="020F0502020204030204" pitchFamily="34" charset="0"/>
               </a:rPr>
               <a:t>При явном связывании приложению не требуется библиотека импорта. Если из-за изменений в библиотеке DLL изменяются порядковые номера экспорта, приложениям не нужно будет повторно выполнять связывание, если для вызова </a:t>
             </a:r>
             <a:r>
               <a:rPr lang="ru-RU" dirty="0" err="1">
-                <a:latin typeface="Calibri" panose="020F0502020204030204" pitchFamily="34" charset="0"/>
                 <a:cs typeface="Calibri" panose="020F0502020204030204" pitchFamily="34" charset="0"/>
               </a:rPr>
               <a:t>GetProcAddress</a:t>
             </a:r>
             <a:r>
               <a:rPr lang="ru-RU" dirty="0">
-                <a:latin typeface="Calibri" panose="020F0502020204030204" pitchFamily="34" charset="0"/>
                 <a:cs typeface="Calibri" panose="020F0502020204030204" pitchFamily="34" charset="0"/>
               </a:rPr>
               <a:t> в них используется имя функции, а не ее порядковый номер. Если приложение использует неявное связывание, в случае изменений в библиотеке импорта им потребуется выполнить связывание повторно. </a:t>
@@ -7059,7 +7042,11 @@
           <a:bodyPr/>
           <a:lstStyle/>
           <a:p>
-            <a:endParaRPr lang="ru-RU"/>
+            <a:r>
+              <a:rPr lang="en-US" dirty="0" err="1"/>
+              <a:t>DllMain</a:t>
+            </a:r>
+            <a:endParaRPr lang="ru-RU" dirty="0"/>
           </a:p>
         </p:txBody>
       </p:sp>
@@ -7079,12 +7066,126 @@
             <p:ph idx="1"/>
           </p:nvPr>
         </p:nvSpPr>
-        <p:spPr/>
-        <p:txBody>
-          <a:bodyPr/>
-          <a:lstStyle/>
-          <a:p>
-            <a:endParaRPr lang="ru-RU"/>
+        <p:spPr>
+          <a:xfrm>
+            <a:off x="1103312" y="1240972"/>
+            <a:ext cx="8946541" cy="5007428"/>
+          </a:xfrm>
+        </p:spPr>
+        <p:txBody>
+          <a:bodyPr>
+            <a:normAutofit lnSpcReduction="10000"/>
+          </a:bodyPr>
+          <a:lstStyle/>
+          <a:p>
+            <a:r>
+              <a:rPr lang="ru-RU" sz="2400" dirty="0">
+                <a:effectLst/>
+                <a:ea typeface="Calibri" panose="020F0502020204030204" pitchFamily="34" charset="0"/>
+                <a:cs typeface="Calibri" panose="020F0502020204030204" pitchFamily="34" charset="0"/>
+              </a:rPr>
+              <a:t>Необязательная точка входа в библиотеку динамической компоновки (</a:t>
+            </a:r>
+            <a:r>
+              <a:rPr lang="en-US" sz="2400" dirty="0">
+                <a:effectLst/>
+                <a:ea typeface="Calibri" panose="020F0502020204030204" pitchFamily="34" charset="0"/>
+                <a:cs typeface="Calibri" panose="020F0502020204030204" pitchFamily="34" charset="0"/>
+              </a:rPr>
+              <a:t>DLL</a:t>
+            </a:r>
+            <a:r>
+              <a:rPr lang="ru-RU" sz="2400" dirty="0">
+                <a:effectLst/>
+                <a:ea typeface="Calibri" panose="020F0502020204030204" pitchFamily="34" charset="0"/>
+                <a:cs typeface="Calibri" panose="020F0502020204030204" pitchFamily="34" charset="0"/>
+              </a:rPr>
+              <a:t>). При запуске или завершении процесса или потока система вызывает функцию точки входа для каждой загруженной библиотеки </a:t>
+            </a:r>
+            <a:r>
+              <a:rPr lang="en-US" sz="2400" dirty="0">
+                <a:effectLst/>
+                <a:ea typeface="Calibri" panose="020F0502020204030204" pitchFamily="34" charset="0"/>
+                <a:cs typeface="Calibri" panose="020F0502020204030204" pitchFamily="34" charset="0"/>
+              </a:rPr>
+              <a:t>DLL</a:t>
+            </a:r>
+            <a:r>
+              <a:rPr lang="ru-RU" sz="2400" dirty="0">
+                <a:effectLst/>
+                <a:ea typeface="Calibri" panose="020F0502020204030204" pitchFamily="34" charset="0"/>
+                <a:cs typeface="Calibri" panose="020F0502020204030204" pitchFamily="34" charset="0"/>
+              </a:rPr>
+              <a:t> с помощью первого потока процесса. Система также вызывает функцию точки входа для библиотеки </a:t>
+            </a:r>
+            <a:r>
+              <a:rPr lang="en-US" sz="2400" dirty="0">
+                <a:effectLst/>
+                <a:ea typeface="Calibri" panose="020F0502020204030204" pitchFamily="34" charset="0"/>
+                <a:cs typeface="Calibri" panose="020F0502020204030204" pitchFamily="34" charset="0"/>
+              </a:rPr>
+              <a:t>DLL</a:t>
+            </a:r>
+            <a:r>
+              <a:rPr lang="ru-RU" sz="2400" dirty="0">
+                <a:effectLst/>
+                <a:ea typeface="Calibri" panose="020F0502020204030204" pitchFamily="34" charset="0"/>
+                <a:cs typeface="Calibri" panose="020F0502020204030204" pitchFamily="34" charset="0"/>
+              </a:rPr>
+              <a:t> при загрузке или выгрузке с помощью функций </a:t>
+            </a:r>
+            <a:r>
+              <a:rPr lang="en-US" sz="2400" dirty="0" err="1">
+                <a:effectLst/>
+                <a:ea typeface="Calibri" panose="020F0502020204030204" pitchFamily="34" charset="0"/>
+                <a:cs typeface="Calibri" panose="020F0502020204030204" pitchFamily="34" charset="0"/>
+              </a:rPr>
+              <a:t>LoadLibrary</a:t>
+            </a:r>
+            <a:r>
+              <a:rPr lang="ru-RU" sz="2400" dirty="0">
+                <a:effectLst/>
+                <a:ea typeface="Calibri" panose="020F0502020204030204" pitchFamily="34" charset="0"/>
+                <a:cs typeface="Calibri" panose="020F0502020204030204" pitchFamily="34" charset="0"/>
+              </a:rPr>
+              <a:t>. </a:t>
+            </a:r>
+            <a:endParaRPr lang="en-US" sz="2400" dirty="0">
+              <a:effectLst/>
+              <a:ea typeface="Calibri" panose="020F0502020204030204" pitchFamily="34" charset="0"/>
+              <a:cs typeface="Calibri" panose="020F0502020204030204" pitchFamily="34" charset="0"/>
+            </a:endParaRPr>
+          </a:p>
+          <a:p>
+            <a:r>
+              <a:rPr lang="ru-RU" sz="2400" dirty="0">
+                <a:cs typeface="Calibri" panose="020F0502020204030204" pitchFamily="34" charset="0"/>
+              </a:rPr>
+              <a:t>Функция </a:t>
+            </a:r>
+            <a:r>
+              <a:rPr lang="ru-RU" sz="2400" dirty="0" err="1">
+                <a:cs typeface="Calibri" panose="020F0502020204030204" pitchFamily="34" charset="0"/>
+              </a:rPr>
+              <a:t>DllMain</a:t>
+            </a:r>
+            <a:r>
+              <a:rPr lang="ru-RU" sz="2400" dirty="0">
+                <a:cs typeface="Calibri" panose="020F0502020204030204" pitchFamily="34" charset="0"/>
+              </a:rPr>
+              <a:t> предназначена для выполнения минимальных задач инициализации с помощью небольшого подмножества API Microsoft Windows. </a:t>
+            </a:r>
+            <a:endParaRPr lang="en-US" sz="2400" dirty="0">
+              <a:cs typeface="Calibri" panose="020F0502020204030204" pitchFamily="34" charset="0"/>
+            </a:endParaRPr>
+          </a:p>
+          <a:p>
+            <a:r>
+              <a:rPr lang="ru-RU" sz="2400" dirty="0">
+                <a:cs typeface="Calibri" panose="020F0502020204030204" pitchFamily="34" charset="0"/>
+              </a:rPr>
+              <a:t>функция точки входа должна выполнять только простые задачи инициализации или завершения</a:t>
+            </a:r>
           </a:p>
         </p:txBody>
       </p:sp>
@@ -7142,14 +7243,13 @@
         </p:spPr>
         <p:txBody>
           <a:bodyPr>
-            <a:normAutofit/>
+            <a:normAutofit fontScale="92500" lnSpcReduction="20000"/>
           </a:bodyPr>
           <a:lstStyle/>
           <a:p>
             <a:r>
               <a:rPr lang="ru-RU" sz="2400" dirty="0">
                 <a:effectLst/>
-                <a:latin typeface="Calibri" panose="020F0502020204030204" pitchFamily="34" charset="0"/>
                 <a:ea typeface="Calibri" panose="020F0502020204030204" pitchFamily="34" charset="0"/>
                 <a:cs typeface="Times New Roman" panose="02020603050405020304" pitchFamily="18" charset="0"/>
               </a:rPr>
@@ -7157,7 +7257,6 @@
             </a:r>
             <a:r>
               <a:rPr lang="ru-RU" sz="2400" dirty="0">
-                <a:latin typeface="Calibri" panose="020F0502020204030204" pitchFamily="34" charset="0"/>
                 <a:ea typeface="Calibri" panose="020F0502020204030204" pitchFamily="34" charset="0"/>
                 <a:cs typeface="Times New Roman" panose="02020603050405020304" pitchFamily="18" charset="0"/>
               </a:rPr>
@@ -7166,7 +7265,6 @@
             <a:r>
               <a:rPr lang="ru-RU" sz="2400" dirty="0">
                 <a:effectLst/>
-                <a:latin typeface="Calibri" panose="020F0502020204030204" pitchFamily="34" charset="0"/>
                 <a:ea typeface="Calibri" panose="020F0502020204030204" pitchFamily="34" charset="0"/>
                 <a:cs typeface="Times New Roman" panose="02020603050405020304" pitchFamily="18" charset="0"/>
               </a:rPr>
@@ -7176,7 +7274,6 @@
           <a:p>
             <a:r>
               <a:rPr lang="ru-RU" sz="2400" dirty="0">
-                <a:latin typeface="Calibri" panose="020F0502020204030204" pitchFamily="34" charset="0"/>
                 <a:cs typeface="Times New Roman" panose="02020603050405020304" pitchFamily="18" charset="0"/>
               </a:rPr>
               <a:t>Библиотеки делятся на два типа, статические и динамические</a:t>
@@ -7281,7 +7378,6 @@
             <a:r>
               <a:rPr lang="ru-RU" sz="2400" dirty="0">
                 <a:effectLst/>
-                <a:latin typeface="Calibri" panose="020F0502020204030204" pitchFamily="34" charset="0"/>
                 <a:ea typeface="Calibri" panose="020F0502020204030204" pitchFamily="34" charset="0"/>
                 <a:cs typeface="Times New Roman" panose="02020603050405020304" pitchFamily="18" charset="0"/>
               </a:rPr>
@@ -7420,7 +7516,6 @@
             <a:r>
               <a:rPr lang="ru-RU" sz="2400" dirty="0">
                 <a:effectLst/>
-                <a:latin typeface="Calibri" panose="020F0502020204030204" pitchFamily="34" charset="0"/>
                 <a:ea typeface="Calibri" panose="020F0502020204030204" pitchFamily="34" charset="0"/>
                 <a:cs typeface="Times New Roman" panose="02020603050405020304" pitchFamily="18" charset="0"/>
               </a:rPr>
@@ -7429,7 +7524,6 @@
             <a:r>
               <a:rPr lang="en-US" sz="2400" dirty="0">
                 <a:effectLst/>
-                <a:latin typeface="Calibri" panose="020F0502020204030204" pitchFamily="34" charset="0"/>
                 <a:ea typeface="Calibri" panose="020F0502020204030204" pitchFamily="34" charset="0"/>
                 <a:cs typeface="Times New Roman" panose="02020603050405020304" pitchFamily="18" charset="0"/>
               </a:rPr>
@@ -7438,7 +7532,6 @@
             <a:r>
               <a:rPr lang="ru-RU" sz="2400" dirty="0">
                 <a:effectLst/>
-                <a:latin typeface="Calibri" panose="020F0502020204030204" pitchFamily="34" charset="0"/>
                 <a:ea typeface="Calibri" panose="020F0502020204030204" pitchFamily="34" charset="0"/>
                 <a:cs typeface="Times New Roman" panose="02020603050405020304" pitchFamily="18" charset="0"/>
               </a:rPr>
@@ -7447,7 +7540,6 @@
             <a:r>
               <a:rPr lang="en-US" sz="2400" dirty="0" err="1">
                 <a:effectLst/>
-                <a:latin typeface="Calibri" panose="020F0502020204030204" pitchFamily="34" charset="0"/>
                 <a:ea typeface="Calibri" panose="020F0502020204030204" pitchFamily="34" charset="0"/>
                 <a:cs typeface="Times New Roman" panose="02020603050405020304" pitchFamily="18" charset="0"/>
               </a:rPr>
@@ -7456,7 +7548,6 @@
             <a:r>
               <a:rPr lang="ru-RU" sz="2400" dirty="0">
                 <a:effectLst/>
-                <a:latin typeface="Calibri" panose="020F0502020204030204" pitchFamily="34" charset="0"/>
                 <a:ea typeface="Calibri" panose="020F0502020204030204" pitchFamily="34" charset="0"/>
                 <a:cs typeface="Times New Roman" panose="02020603050405020304" pitchFamily="18" charset="0"/>
               </a:rPr>
@@ -7465,7 +7556,6 @@
             <a:r>
               <a:rPr lang="en-US" sz="2400" dirty="0">
                 <a:effectLst/>
-                <a:latin typeface="Calibri" panose="020F0502020204030204" pitchFamily="34" charset="0"/>
                 <a:ea typeface="Calibri" panose="020F0502020204030204" pitchFamily="34" charset="0"/>
                 <a:cs typeface="Times New Roman" panose="02020603050405020304" pitchFamily="18" charset="0"/>
               </a:rPr>
@@ -7474,7 +7564,6 @@
             <a:r>
               <a:rPr lang="ru-RU" sz="2400" dirty="0">
                 <a:effectLst/>
-                <a:latin typeface="Calibri" panose="020F0502020204030204" pitchFamily="34" charset="0"/>
                 <a:ea typeface="Calibri" panose="020F0502020204030204" pitchFamily="34" charset="0"/>
                 <a:cs typeface="Times New Roman" panose="02020603050405020304" pitchFamily="18" charset="0"/>
               </a:rPr>
@@ -7483,7 +7572,6 @@
             <a:r>
               <a:rPr lang="en-US" sz="2400" dirty="0" err="1">
                 <a:effectLst/>
-                <a:latin typeface="Calibri" panose="020F0502020204030204" pitchFamily="34" charset="0"/>
                 <a:ea typeface="Calibri" panose="020F0502020204030204" pitchFamily="34" charset="0"/>
                 <a:cs typeface="Times New Roman" panose="02020603050405020304" pitchFamily="18" charset="0"/>
               </a:rPr>
@@ -7492,7 +7580,6 @@
             <a:r>
               <a:rPr lang="ru-RU" sz="2400" dirty="0">
                 <a:effectLst/>
-                <a:latin typeface="Calibri" panose="020F0502020204030204" pitchFamily="34" charset="0"/>
                 <a:ea typeface="Calibri" panose="020F0502020204030204" pitchFamily="34" charset="0"/>
                 <a:cs typeface="Times New Roman" panose="02020603050405020304" pitchFamily="18" charset="0"/>
               </a:rPr>
@@ -7501,7 +7588,6 @@
             <a:r>
               <a:rPr lang="en-US" sz="2400" dirty="0">
                 <a:effectLst/>
-                <a:latin typeface="Calibri" panose="020F0502020204030204" pitchFamily="34" charset="0"/>
                 <a:ea typeface="Calibri" panose="020F0502020204030204" pitchFamily="34" charset="0"/>
                 <a:cs typeface="Times New Roman" panose="02020603050405020304" pitchFamily="18" charset="0"/>
               </a:rPr>
@@ -7510,7 +7596,6 @@
             <a:r>
               <a:rPr lang="ru-RU" sz="2400" dirty="0">
                 <a:effectLst/>
-                <a:latin typeface="Calibri" panose="020F0502020204030204" pitchFamily="34" charset="0"/>
                 <a:ea typeface="Calibri" panose="020F0502020204030204" pitchFamily="34" charset="0"/>
                 <a:cs typeface="Times New Roman" panose="02020603050405020304" pitchFamily="18" charset="0"/>
               </a:rPr>
@@ -7519,7 +7604,6 @@
             <a:r>
               <a:rPr lang="en-US" sz="2400" dirty="0">
                 <a:effectLst/>
-                <a:latin typeface="Calibri" panose="020F0502020204030204" pitchFamily="34" charset="0"/>
                 <a:ea typeface="Calibri" panose="020F0502020204030204" pitchFamily="34" charset="0"/>
                 <a:cs typeface="Times New Roman" panose="02020603050405020304" pitchFamily="18" charset="0"/>
               </a:rPr>
@@ -7528,7 +7612,6 @@
             <a:r>
               <a:rPr lang="ru-RU" sz="2400" dirty="0">
                 <a:effectLst/>
-                <a:latin typeface="Calibri" panose="020F0502020204030204" pitchFamily="34" charset="0"/>
                 <a:ea typeface="Calibri" panose="020F0502020204030204" pitchFamily="34" charset="0"/>
                 <a:cs typeface="Times New Roman" panose="02020603050405020304" pitchFamily="18" charset="0"/>
               </a:rPr>
@@ -7537,7 +7620,6 @@
             <a:r>
               <a:rPr lang="en-US" sz="2400" dirty="0">
                 <a:effectLst/>
-                <a:latin typeface="Calibri" panose="020F0502020204030204" pitchFamily="34" charset="0"/>
                 <a:ea typeface="Calibri" panose="020F0502020204030204" pitchFamily="34" charset="0"/>
                 <a:cs typeface="Times New Roman" panose="02020603050405020304" pitchFamily="18" charset="0"/>
               </a:rPr>
@@ -7546,7 +7628,6 @@
             <a:r>
               <a:rPr lang="en-US" sz="2400" dirty="0" err="1">
                 <a:effectLst/>
-                <a:latin typeface="Calibri" panose="020F0502020204030204" pitchFamily="34" charset="0"/>
                 <a:ea typeface="Calibri" panose="020F0502020204030204" pitchFamily="34" charset="0"/>
                 <a:cs typeface="Times New Roman" panose="02020603050405020304" pitchFamily="18" charset="0"/>
               </a:rPr>
@@ -7555,7 +7636,6 @@
             <a:r>
               <a:rPr lang="ru-RU" sz="2400" dirty="0">
                 <a:effectLst/>
-                <a:latin typeface="Calibri" panose="020F0502020204030204" pitchFamily="34" charset="0"/>
                 <a:ea typeface="Calibri" panose="020F0502020204030204" pitchFamily="34" charset="0"/>
                 <a:cs typeface="Times New Roman" panose="02020603050405020304" pitchFamily="18" charset="0"/>
               </a:rPr>
@@ -7564,7 +7644,6 @@
             <a:r>
               <a:rPr lang="en-US" sz="2400" dirty="0" err="1">
                 <a:effectLst/>
-                <a:latin typeface="Calibri" panose="020F0502020204030204" pitchFamily="34" charset="0"/>
                 <a:ea typeface="Calibri" panose="020F0502020204030204" pitchFamily="34" charset="0"/>
                 <a:cs typeface="Times New Roman" panose="02020603050405020304" pitchFamily="18" charset="0"/>
               </a:rPr>
@@ -7572,7 +7651,6 @@
             </a:r>
             <a:endParaRPr lang="ru-RU" sz="2400" dirty="0">
               <a:effectLst/>
-              <a:latin typeface="Calibri" panose="020F0502020204030204" pitchFamily="34" charset="0"/>
               <a:ea typeface="Calibri" panose="020F0502020204030204" pitchFamily="34" charset="0"/>
               <a:cs typeface="Times New Roman" panose="02020603050405020304" pitchFamily="18" charset="0"/>
             </a:endParaRPr>
@@ -7672,7 +7750,6 @@
             <a:r>
               <a:rPr lang="ru-RU" sz="2400" dirty="0">
                 <a:effectLst/>
-                <a:latin typeface="Calibri" panose="020F0502020204030204" pitchFamily="34" charset="0"/>
                 <a:ea typeface="Calibri" panose="020F0502020204030204" pitchFamily="34" charset="0"/>
                 <a:cs typeface="Times New Roman" panose="02020603050405020304" pitchFamily="18" charset="0"/>
               </a:rPr>
@@ -7683,7 +7760,6 @@
             <a:r>
               <a:rPr lang="ru-RU" sz="2400" dirty="0">
                 <a:effectLst/>
-                <a:latin typeface="Calibri" panose="020F0502020204030204" pitchFamily="34" charset="0"/>
                 <a:ea typeface="Calibri" panose="020F0502020204030204" pitchFamily="34" charset="0"/>
                 <a:cs typeface="Times New Roman" panose="02020603050405020304" pitchFamily="18" charset="0"/>
               </a:rPr>
@@ -7694,7 +7770,6 @@
             <a:r>
               <a:rPr lang="ru-RU" sz="2400" dirty="0">
                 <a:effectLst/>
-                <a:latin typeface="Calibri" panose="020F0502020204030204" pitchFamily="34" charset="0"/>
                 <a:ea typeface="Calibri" panose="020F0502020204030204" pitchFamily="34" charset="0"/>
                 <a:cs typeface="Times New Roman" panose="02020603050405020304" pitchFamily="18" charset="0"/>
               </a:rPr>
@@ -7705,7 +7780,6 @@
             <a:r>
               <a:rPr lang="ru-RU" sz="2400" dirty="0">
                 <a:effectLst/>
-                <a:latin typeface="Calibri" panose="020F0502020204030204" pitchFamily="34" charset="0"/>
                 <a:ea typeface="Calibri" panose="020F0502020204030204" pitchFamily="34" charset="0"/>
                 <a:cs typeface="Times New Roman" panose="02020603050405020304" pitchFamily="18" charset="0"/>
               </a:rPr>
@@ -8019,7 +8093,6 @@
             <a:r>
               <a:rPr lang="ru-RU" sz="2400" dirty="0">
                 <a:effectLst/>
-                <a:latin typeface="Calibri" panose="020F0502020204030204" pitchFamily="34" charset="0"/>
                 <a:ea typeface="Calibri" panose="020F0502020204030204" pitchFamily="34" charset="0"/>
                 <a:cs typeface="Times New Roman" panose="02020603050405020304" pitchFamily="18" charset="0"/>
               </a:rPr>
@@ -8122,7 +8195,6 @@
           <a:p>
             <a:r>
               <a:rPr lang="ru-RU" dirty="0">
-                <a:latin typeface="Calibri" panose="020F0502020204030204" pitchFamily="34" charset="0"/>
                 <a:cs typeface="Calibri" panose="020F0502020204030204" pitchFamily="34" charset="0"/>
               </a:rPr>
               <a:t>Неявное связывание — операционная система загружает библиотеку DLL в тот момент, когда она используется исполняемым файлом. Исполняемый файл клиента вызывает экспортированные функции библиотеки DLL так же, как статически скомпонованные и включенные в состав самого исполняемого файла функции. Процесс неявного связывания также иногда называют статической загрузкой или динамической компоновкой времени загрузки.</a:t>
@@ -8131,7 +8203,6 @@
           <a:p>
             <a:r>
               <a:rPr lang="ru-RU" dirty="0">
-                <a:latin typeface="Calibri" panose="020F0502020204030204" pitchFamily="34" charset="0"/>
                 <a:cs typeface="Calibri" panose="020F0502020204030204" pitchFamily="34" charset="0"/>
               </a:rPr>
               <a:t>Динамическая компоновка упрощает поддержку приложений, написанных на разных языках программирования. Программы, написанные на разных языках программирования, могут вызывать одну и ту же функцию в библиотеке DLL при условии соблюдения соглашения о ее вызове. Программы и функция в библиотеке DLL должны отвечать следующим требованиям к совместимости: ожидаемый функцией порядок передачи аргументов в стек; выполнение очистки стека функцией или приложением; передача аргументов в регистрах.</a:t>
@@ -8139,7 +8210,6 @@
           </a:p>
           <a:p>
             <a:endParaRPr lang="ru-RU" dirty="0">
-              <a:latin typeface="Calibri" panose="020F0502020204030204" pitchFamily="34" charset="0"/>
               <a:cs typeface="Calibri" panose="020F0502020204030204" pitchFamily="34" charset="0"/>
             </a:endParaRPr>
           </a:p>
